--- a/SQL/PPT/SQL Development Basic.pptx
+++ b/SQL/PPT/SQL Development Basic.pptx
@@ -418,7 +418,7 @@
           <a:p>
             <a:fld id="{D6BE4906-B050-4F26-A0A8-30A3244B869A}" type="datetimeFigureOut">
               <a:rPr lang="en-US" smtClean="0"/>
-              <a:t>2/9/2023</a:t>
+              <a:t>2/17/2023</a:t>
             </a:fld>
             <a:endParaRPr lang="en-US"/>
           </a:p>
@@ -19192,8 +19192,17 @@
               <a:rPr lang="en-US" sz="1600" dirty="0">
                 <a:hlinkClick r:id="rId4"/>
               </a:rPr>
-              <a:t>https://github.com/jinibyun/codingLearnKorea/tree/master/sources</a:t>
+              <a:t>https://github.com/jinibyun/CodingLearnEdu/tree/master/SQL/sources</a:t>
             </a:r>
+            <a:endParaRPr lang="en-US" sz="1600" dirty="0"/>
+          </a:p>
+          <a:p>
+            <a:pPr marL="571500" lvl="1" indent="0">
+              <a:spcBef>
+                <a:spcPts val="0"/>
+              </a:spcBef>
+              <a:buNone/>
+            </a:pPr>
             <a:endParaRPr lang="en-US" sz="1600" dirty="0"/>
           </a:p>
           <a:p>
@@ -23768,22 +23777,7 @@
                 <a:latin typeface="+mj-lt"/>
                 <a:cs typeface="Arial" panose="020B0604020202020204" pitchFamily="34" charset="0"/>
               </a:rPr>
-              <a:t>(</a:t>
-            </a:r>
-            <a:r>
-              <a:rPr lang="en-US" altLang="ko-KR" sz="1800" dirty="0">
-                <a:latin typeface="+mj-lt"/>
-                <a:cs typeface="Arial" panose="020B0604020202020204" pitchFamily="34" charset="0"/>
-                <a:hlinkClick r:id="rId3"/>
-              </a:rPr>
-              <a:t>https://github.com/jinibyun/codingLearnKorea/tree/master/sources/scripts/BikeStore</a:t>
-            </a:r>
-            <a:r>
-              <a:rPr lang="en-US" altLang="ko-KR" sz="1800" dirty="0">
-                <a:latin typeface="+mj-lt"/>
-                <a:cs typeface="Arial" panose="020B0604020202020204" pitchFamily="34" charset="0"/>
-              </a:rPr>
-              <a:t>)</a:t>
+              <a:t>(https://github.com/jinibyun/CodingLearnEdu/tree/master/SQL/sources/scripts/BikeStore)</a:t>
             </a:r>
           </a:p>
           <a:p>
@@ -23863,7 +23857,7 @@
           <p:nvPr/>
         </p:nvPicPr>
         <p:blipFill>
-          <a:blip r:embed="rId4"/>
+          <a:blip r:embed="rId3"/>
           <a:stretch>
             <a:fillRect/>
           </a:stretch>
@@ -26818,8 +26812,14 @@
                 <a:cs typeface="Arial" panose="020B0604020202020204" pitchFamily="34" charset="0"/>
                 <a:hlinkClick r:id="rId3"/>
               </a:rPr>
-              <a:t>https://github.com/jinibyun/codingLearnKorea/tree/master/sources</a:t>
+              <a:t>https://github.com/jinibyun/CodingLearnEdu/tree/master/SQL/sources</a:t>
             </a:r>
+            <a:endParaRPr lang="en-US" altLang="ko-KR" sz="1800" dirty="0">
+              <a:latin typeface="+mj-lt"/>
+              <a:cs typeface="Arial" panose="020B0604020202020204" pitchFamily="34" charset="0"/>
+            </a:endParaRPr>
+          </a:p>
+          <a:p>
             <a:endParaRPr lang="en-US" altLang="ko-KR" sz="1800" dirty="0">
               <a:latin typeface="+mj-lt"/>
               <a:cs typeface="Arial" panose="020B0604020202020204" pitchFamily="34" charset="0"/>
